--- a/公益體驗營/公益程式體驗營(作業架構圖).pptx
+++ b/公益體驗營/公益程式體驗營(作業架構圖).pptx
@@ -8,6 +8,7 @@
     <p:sldId id="257" r:id="rId2"/>
     <p:sldId id="256" r:id="rId3"/>
     <p:sldId id="258" r:id="rId4"/>
+    <p:sldId id="259" r:id="rId5"/>
   </p:sldIdLst>
   <p:sldSz cx="6858000" cy="12192000"/>
   <p:notesSz cx="6858000" cy="9144000"/>
@@ -245,7 +246,7 @@
           <a:p>
             <a:fld id="{A473C728-C639-463F-9C88-29FD828D22F3}" type="datetimeFigureOut">
               <a:rPr lang="zh-TW" altLang="en-US" smtClean="0"/>
-              <a:t>2022/5/12</a:t>
+              <a:t>2022/5/15</a:t>
             </a:fld>
             <a:endParaRPr lang="zh-TW" altLang="en-US"/>
           </a:p>
@@ -415,7 +416,7 @@
           <a:p>
             <a:fld id="{A473C728-C639-463F-9C88-29FD828D22F3}" type="datetimeFigureOut">
               <a:rPr lang="zh-TW" altLang="en-US" smtClean="0"/>
-              <a:t>2022/5/12</a:t>
+              <a:t>2022/5/15</a:t>
             </a:fld>
             <a:endParaRPr lang="zh-TW" altLang="en-US"/>
           </a:p>
@@ -595,7 +596,7 @@
           <a:p>
             <a:fld id="{A473C728-C639-463F-9C88-29FD828D22F3}" type="datetimeFigureOut">
               <a:rPr lang="zh-TW" altLang="en-US" smtClean="0"/>
-              <a:t>2022/5/12</a:t>
+              <a:t>2022/5/15</a:t>
             </a:fld>
             <a:endParaRPr lang="zh-TW" altLang="en-US"/>
           </a:p>
@@ -765,7 +766,7 @@
           <a:p>
             <a:fld id="{A473C728-C639-463F-9C88-29FD828D22F3}" type="datetimeFigureOut">
               <a:rPr lang="zh-TW" altLang="en-US" smtClean="0"/>
-              <a:t>2022/5/12</a:t>
+              <a:t>2022/5/15</a:t>
             </a:fld>
             <a:endParaRPr lang="zh-TW" altLang="en-US"/>
           </a:p>
@@ -1009,7 +1010,7 @@
           <a:p>
             <a:fld id="{A473C728-C639-463F-9C88-29FD828D22F3}" type="datetimeFigureOut">
               <a:rPr lang="zh-TW" altLang="en-US" smtClean="0"/>
-              <a:t>2022/5/12</a:t>
+              <a:t>2022/5/15</a:t>
             </a:fld>
             <a:endParaRPr lang="zh-TW" altLang="en-US"/>
           </a:p>
@@ -1241,7 +1242,7 @@
           <a:p>
             <a:fld id="{A473C728-C639-463F-9C88-29FD828D22F3}" type="datetimeFigureOut">
               <a:rPr lang="zh-TW" altLang="en-US" smtClean="0"/>
-              <a:t>2022/5/12</a:t>
+              <a:t>2022/5/15</a:t>
             </a:fld>
             <a:endParaRPr lang="zh-TW" altLang="en-US"/>
           </a:p>
@@ -1608,7 +1609,7 @@
           <a:p>
             <a:fld id="{A473C728-C639-463F-9C88-29FD828D22F3}" type="datetimeFigureOut">
               <a:rPr lang="zh-TW" altLang="en-US" smtClean="0"/>
-              <a:t>2022/5/12</a:t>
+              <a:t>2022/5/15</a:t>
             </a:fld>
             <a:endParaRPr lang="zh-TW" altLang="en-US"/>
           </a:p>
@@ -1726,7 +1727,7 @@
           <a:p>
             <a:fld id="{A473C728-C639-463F-9C88-29FD828D22F3}" type="datetimeFigureOut">
               <a:rPr lang="zh-TW" altLang="en-US" smtClean="0"/>
-              <a:t>2022/5/12</a:t>
+              <a:t>2022/5/15</a:t>
             </a:fld>
             <a:endParaRPr lang="zh-TW" altLang="en-US"/>
           </a:p>
@@ -1821,7 +1822,7 @@
           <a:p>
             <a:fld id="{A473C728-C639-463F-9C88-29FD828D22F3}" type="datetimeFigureOut">
               <a:rPr lang="zh-TW" altLang="en-US" smtClean="0"/>
-              <a:t>2022/5/12</a:t>
+              <a:t>2022/5/15</a:t>
             </a:fld>
             <a:endParaRPr lang="zh-TW" altLang="en-US"/>
           </a:p>
@@ -2098,7 +2099,7 @@
           <a:p>
             <a:fld id="{A473C728-C639-463F-9C88-29FD828D22F3}" type="datetimeFigureOut">
               <a:rPr lang="zh-TW" altLang="en-US" smtClean="0"/>
-              <a:t>2022/5/12</a:t>
+              <a:t>2022/5/15</a:t>
             </a:fld>
             <a:endParaRPr lang="zh-TW" altLang="en-US"/>
           </a:p>
@@ -2355,7 +2356,7 @@
           <a:p>
             <a:fld id="{A473C728-C639-463F-9C88-29FD828D22F3}" type="datetimeFigureOut">
               <a:rPr lang="zh-TW" altLang="en-US" smtClean="0"/>
-              <a:t>2022/5/12</a:t>
+              <a:t>2022/5/15</a:t>
             </a:fld>
             <a:endParaRPr lang="zh-TW" altLang="en-US"/>
           </a:p>
@@ -2568,7 +2569,7 @@
           <a:p>
             <a:fld id="{A473C728-C639-463F-9C88-29FD828D22F3}" type="datetimeFigureOut">
               <a:rPr lang="zh-TW" altLang="en-US" smtClean="0"/>
-              <a:t>2022/5/12</a:t>
+              <a:t>2022/5/15</a:t>
             </a:fld>
             <a:endParaRPr lang="zh-TW" altLang="en-US"/>
           </a:p>
@@ -7874,6 +7875,86 @@
 </p:sld>
 </file>
 
+<file path=ppt/slides/slide4.xml><?xml version="1.0" encoding="utf-8"?>
+<p:sld xmlns:a="http://schemas.openxmlformats.org/drawingml/2006/main" xmlns:r="http://schemas.openxmlformats.org/officeDocument/2006/relationships" xmlns:p="http://schemas.openxmlformats.org/presentationml/2006/main">
+  <p:cSld>
+    <p:spTree>
+      <p:nvGrpSpPr>
+        <p:cNvPr id="1" name=""/>
+        <p:cNvGrpSpPr/>
+        <p:nvPr/>
+      </p:nvGrpSpPr>
+      <p:grpSpPr>
+        <a:xfrm>
+          <a:off x="0" y="0"/>
+          <a:ext cx="0" cy="0"/>
+          <a:chOff x="0" y="0"/>
+          <a:chExt cx="0" cy="0"/>
+        </a:xfrm>
+      </p:grpSpPr>
+      <p:sp>
+        <p:nvSpPr>
+          <p:cNvPr id="2" name="標題 1">
+            <a:extLst>
+              <a:ext uri="{FF2B5EF4-FFF2-40B4-BE49-F238E27FC236}">
+                <a16:creationId xmlns:a16="http://schemas.microsoft.com/office/drawing/2014/main" id="{E16E0223-AF15-C5FF-5E32-37A81D22D8C2}"/>
+              </a:ext>
+            </a:extLst>
+          </p:cNvPr>
+          <p:cNvSpPr>
+            <a:spLocks noGrp="1"/>
+          </p:cNvSpPr>
+          <p:nvPr>
+            <p:ph type="title"/>
+          </p:nvPr>
+        </p:nvSpPr>
+        <p:spPr/>
+        <p:txBody>
+          <a:bodyPr/>
+          <a:lstStyle/>
+          <a:p>
+            <a:endParaRPr lang="zh-TW" altLang="en-US"/>
+          </a:p>
+        </p:txBody>
+      </p:sp>
+      <p:sp>
+        <p:nvSpPr>
+          <p:cNvPr id="3" name="內容版面配置區 2">
+            <a:extLst>
+              <a:ext uri="{FF2B5EF4-FFF2-40B4-BE49-F238E27FC236}">
+                <a16:creationId xmlns:a16="http://schemas.microsoft.com/office/drawing/2014/main" id="{08BCE435-BBAC-EF6A-40A4-0785D0187B1F}"/>
+              </a:ext>
+            </a:extLst>
+          </p:cNvPr>
+          <p:cNvSpPr>
+            <a:spLocks noGrp="1"/>
+          </p:cNvSpPr>
+          <p:nvPr>
+            <p:ph idx="1"/>
+          </p:nvPr>
+        </p:nvSpPr>
+        <p:spPr/>
+        <p:txBody>
+          <a:bodyPr/>
+          <a:lstStyle/>
+          <a:p>
+            <a:endParaRPr lang="zh-TW" altLang="en-US"/>
+          </a:p>
+        </p:txBody>
+      </p:sp>
+    </p:spTree>
+    <p:extLst>
+      <p:ext uri="{BB962C8B-B14F-4D97-AF65-F5344CB8AC3E}">
+        <p14:creationId xmlns:p14="http://schemas.microsoft.com/office/powerpoint/2010/main" val="102555694"/>
+      </p:ext>
+    </p:extLst>
+  </p:cSld>
+  <p:clrMapOvr>
+    <a:masterClrMapping/>
+  </p:clrMapOvr>
+</p:sld>
+</file>
+
 <file path=ppt/theme/theme1.xml><?xml version="1.0" encoding="utf-8"?>
 <a:theme xmlns:a="http://schemas.openxmlformats.org/drawingml/2006/main" name="Office 佈景主題">
   <a:themeElements>

--- a/公益體驗營/公益程式體驗營(作業架構圖).pptx
+++ b/公益體驗營/公益程式體驗營(作業架構圖).pptx
@@ -246,7 +246,7 @@
           <a:p>
             <a:fld id="{A473C728-C639-463F-9C88-29FD828D22F3}" type="datetimeFigureOut">
               <a:rPr lang="zh-TW" altLang="en-US" smtClean="0"/>
-              <a:t>2022/5/15</a:t>
+              <a:t>2022/5/28</a:t>
             </a:fld>
             <a:endParaRPr lang="zh-TW" altLang="en-US"/>
           </a:p>
@@ -416,7 +416,7 @@
           <a:p>
             <a:fld id="{A473C728-C639-463F-9C88-29FD828D22F3}" type="datetimeFigureOut">
               <a:rPr lang="zh-TW" altLang="en-US" smtClean="0"/>
-              <a:t>2022/5/15</a:t>
+              <a:t>2022/5/28</a:t>
             </a:fld>
             <a:endParaRPr lang="zh-TW" altLang="en-US"/>
           </a:p>
@@ -596,7 +596,7 @@
           <a:p>
             <a:fld id="{A473C728-C639-463F-9C88-29FD828D22F3}" type="datetimeFigureOut">
               <a:rPr lang="zh-TW" altLang="en-US" smtClean="0"/>
-              <a:t>2022/5/15</a:t>
+              <a:t>2022/5/28</a:t>
             </a:fld>
             <a:endParaRPr lang="zh-TW" altLang="en-US"/>
           </a:p>
@@ -766,7 +766,7 @@
           <a:p>
             <a:fld id="{A473C728-C639-463F-9C88-29FD828D22F3}" type="datetimeFigureOut">
               <a:rPr lang="zh-TW" altLang="en-US" smtClean="0"/>
-              <a:t>2022/5/15</a:t>
+              <a:t>2022/5/28</a:t>
             </a:fld>
             <a:endParaRPr lang="zh-TW" altLang="en-US"/>
           </a:p>
@@ -1010,7 +1010,7 @@
           <a:p>
             <a:fld id="{A473C728-C639-463F-9C88-29FD828D22F3}" type="datetimeFigureOut">
               <a:rPr lang="zh-TW" altLang="en-US" smtClean="0"/>
-              <a:t>2022/5/15</a:t>
+              <a:t>2022/5/28</a:t>
             </a:fld>
             <a:endParaRPr lang="zh-TW" altLang="en-US"/>
           </a:p>
@@ -1242,7 +1242,7 @@
           <a:p>
             <a:fld id="{A473C728-C639-463F-9C88-29FD828D22F3}" type="datetimeFigureOut">
               <a:rPr lang="zh-TW" altLang="en-US" smtClean="0"/>
-              <a:t>2022/5/15</a:t>
+              <a:t>2022/5/28</a:t>
             </a:fld>
             <a:endParaRPr lang="zh-TW" altLang="en-US"/>
           </a:p>
@@ -1609,7 +1609,7 @@
           <a:p>
             <a:fld id="{A473C728-C639-463F-9C88-29FD828D22F3}" type="datetimeFigureOut">
               <a:rPr lang="zh-TW" altLang="en-US" smtClean="0"/>
-              <a:t>2022/5/15</a:t>
+              <a:t>2022/5/28</a:t>
             </a:fld>
             <a:endParaRPr lang="zh-TW" altLang="en-US"/>
           </a:p>
@@ -1727,7 +1727,7 @@
           <a:p>
             <a:fld id="{A473C728-C639-463F-9C88-29FD828D22F3}" type="datetimeFigureOut">
               <a:rPr lang="zh-TW" altLang="en-US" smtClean="0"/>
-              <a:t>2022/5/15</a:t>
+              <a:t>2022/5/28</a:t>
             </a:fld>
             <a:endParaRPr lang="zh-TW" altLang="en-US"/>
           </a:p>
@@ -1822,7 +1822,7 @@
           <a:p>
             <a:fld id="{A473C728-C639-463F-9C88-29FD828D22F3}" type="datetimeFigureOut">
               <a:rPr lang="zh-TW" altLang="en-US" smtClean="0"/>
-              <a:t>2022/5/15</a:t>
+              <a:t>2022/5/28</a:t>
             </a:fld>
             <a:endParaRPr lang="zh-TW" altLang="en-US"/>
           </a:p>
@@ -2099,7 +2099,7 @@
           <a:p>
             <a:fld id="{A473C728-C639-463F-9C88-29FD828D22F3}" type="datetimeFigureOut">
               <a:rPr lang="zh-TW" altLang="en-US" smtClean="0"/>
-              <a:t>2022/5/15</a:t>
+              <a:t>2022/5/28</a:t>
             </a:fld>
             <a:endParaRPr lang="zh-TW" altLang="en-US"/>
           </a:p>
@@ -2356,7 +2356,7 @@
           <a:p>
             <a:fld id="{A473C728-C639-463F-9C88-29FD828D22F3}" type="datetimeFigureOut">
               <a:rPr lang="zh-TW" altLang="en-US" smtClean="0"/>
-              <a:t>2022/5/15</a:t>
+              <a:t>2022/5/28</a:t>
             </a:fld>
             <a:endParaRPr lang="zh-TW" altLang="en-US"/>
           </a:p>
@@ -2569,7 +2569,7 @@
           <a:p>
             <a:fld id="{A473C728-C639-463F-9C88-29FD828D22F3}" type="datetimeFigureOut">
               <a:rPr lang="zh-TW" altLang="en-US" smtClean="0"/>
-              <a:t>2022/5/15</a:t>
+              <a:t>2022/5/28</a:t>
             </a:fld>
             <a:endParaRPr lang="zh-TW" altLang="en-US"/>
           </a:p>
@@ -7894,51 +7894,1051 @@
       </p:grpSpPr>
       <p:sp>
         <p:nvSpPr>
-          <p:cNvPr id="2" name="標題 1">
-            <a:extLst>
-              <a:ext uri="{FF2B5EF4-FFF2-40B4-BE49-F238E27FC236}">
-                <a16:creationId xmlns:a16="http://schemas.microsoft.com/office/drawing/2014/main" id="{E16E0223-AF15-C5FF-5E32-37A81D22D8C2}"/>
-              </a:ext>
-            </a:extLst>
-          </p:cNvPr>
-          <p:cNvSpPr>
-            <a:spLocks noGrp="1"/>
-          </p:cNvSpPr>
-          <p:nvPr>
-            <p:ph type="title"/>
-          </p:nvPr>
-        </p:nvSpPr>
-        <p:spPr/>
-        <p:txBody>
-          <a:bodyPr/>
-          <a:lstStyle/>
-          <a:p>
+          <p:cNvPr id="4" name="矩形 3">
+            <a:extLst>
+              <a:ext uri="{FF2B5EF4-FFF2-40B4-BE49-F238E27FC236}">
+                <a16:creationId xmlns:a16="http://schemas.microsoft.com/office/drawing/2014/main" id="{79E29798-0208-AB39-CEE1-823AC64CC61A}"/>
+              </a:ext>
+            </a:extLst>
+          </p:cNvPr>
+          <p:cNvSpPr/>
+          <p:nvPr/>
+        </p:nvSpPr>
+        <p:spPr>
+          <a:xfrm>
+            <a:off x="244699" y="605307"/>
+            <a:ext cx="6387921" cy="11217499"/>
+          </a:xfrm>
+          <a:prstGeom prst="rect">
+            <a:avLst/>
+          </a:prstGeom>
+          <a:noFill/>
+          <a:ln w="38100">
+            <a:solidFill>
+              <a:srgbClr val="56C4C5"/>
+            </a:solidFill>
+          </a:ln>
+        </p:spPr>
+        <p:style>
+          <a:lnRef idx="2">
+            <a:schemeClr val="accent1">
+              <a:shade val="50000"/>
+            </a:schemeClr>
+          </a:lnRef>
+          <a:fillRef idx="1">
+            <a:schemeClr val="accent1"/>
+          </a:fillRef>
+          <a:effectRef idx="0">
+            <a:schemeClr val="accent1"/>
+          </a:effectRef>
+          <a:fontRef idx="minor">
+            <a:schemeClr val="lt1"/>
+          </a:fontRef>
+        </p:style>
+        <p:txBody>
+          <a:bodyPr rtlCol="0" anchor="ctr"/>
+          <a:lstStyle/>
+          <a:p>
+            <a:pPr algn="ctr"/>
             <a:endParaRPr lang="zh-TW" altLang="en-US"/>
           </a:p>
         </p:txBody>
       </p:sp>
       <p:sp>
         <p:nvSpPr>
-          <p:cNvPr id="3" name="內容版面配置區 2">
-            <a:extLst>
-              <a:ext uri="{FF2B5EF4-FFF2-40B4-BE49-F238E27FC236}">
-                <a16:creationId xmlns:a16="http://schemas.microsoft.com/office/drawing/2014/main" id="{08BCE435-BBAC-EF6A-40A4-0785D0187B1F}"/>
-              </a:ext>
-            </a:extLst>
-          </p:cNvPr>
-          <p:cNvSpPr>
-            <a:spLocks noGrp="1"/>
-          </p:cNvSpPr>
-          <p:nvPr>
-            <p:ph idx="1"/>
-          </p:nvPr>
-        </p:nvSpPr>
-        <p:spPr/>
-        <p:txBody>
-          <a:bodyPr/>
-          <a:lstStyle/>
-          <a:p>
+          <p:cNvPr id="5" name="矩形 4">
+            <a:extLst>
+              <a:ext uri="{FF2B5EF4-FFF2-40B4-BE49-F238E27FC236}">
+                <a16:creationId xmlns:a16="http://schemas.microsoft.com/office/drawing/2014/main" id="{99DF0B26-8BCE-1901-B32C-82F41754FAD7}"/>
+              </a:ext>
+            </a:extLst>
+          </p:cNvPr>
+          <p:cNvSpPr/>
+          <p:nvPr/>
+        </p:nvSpPr>
+        <p:spPr>
+          <a:xfrm>
+            <a:off x="470080" y="927279"/>
+            <a:ext cx="5917842" cy="2575775"/>
+          </a:xfrm>
+          <a:prstGeom prst="rect">
+            <a:avLst/>
+          </a:prstGeom>
+          <a:noFill/>
+          <a:ln w="38100">
+            <a:solidFill>
+              <a:srgbClr val="56C4C5"/>
+            </a:solidFill>
+          </a:ln>
+        </p:spPr>
+        <p:style>
+          <a:lnRef idx="2">
+            <a:schemeClr val="accent1">
+              <a:shade val="50000"/>
+            </a:schemeClr>
+          </a:lnRef>
+          <a:fillRef idx="1">
+            <a:schemeClr val="accent1"/>
+          </a:fillRef>
+          <a:effectRef idx="0">
+            <a:schemeClr val="accent1"/>
+          </a:effectRef>
+          <a:fontRef idx="minor">
+            <a:schemeClr val="lt1"/>
+          </a:fontRef>
+        </p:style>
+        <p:txBody>
+          <a:bodyPr rtlCol="0" anchor="ctr"/>
+          <a:lstStyle/>
+          <a:p>
+            <a:pPr algn="ctr"/>
             <a:endParaRPr lang="zh-TW" altLang="en-US"/>
+          </a:p>
+        </p:txBody>
+      </p:sp>
+      <p:sp>
+        <p:nvSpPr>
+          <p:cNvPr id="6" name="矩形 5">
+            <a:extLst>
+              <a:ext uri="{FF2B5EF4-FFF2-40B4-BE49-F238E27FC236}">
+                <a16:creationId xmlns:a16="http://schemas.microsoft.com/office/drawing/2014/main" id="{962CCFFC-2E50-DADF-6A73-54C0B6A6FCA8}"/>
+              </a:ext>
+            </a:extLst>
+          </p:cNvPr>
+          <p:cNvSpPr/>
+          <p:nvPr/>
+        </p:nvSpPr>
+        <p:spPr>
+          <a:xfrm>
+            <a:off x="650382" y="1064652"/>
+            <a:ext cx="5576551" cy="401391"/>
+          </a:xfrm>
+          <a:prstGeom prst="rect">
+            <a:avLst/>
+          </a:prstGeom>
+          <a:noFill/>
+          <a:ln w="38100">
+            <a:solidFill>
+              <a:srgbClr val="56C4C5"/>
+            </a:solidFill>
+          </a:ln>
+        </p:spPr>
+        <p:style>
+          <a:lnRef idx="2">
+            <a:schemeClr val="accent1">
+              <a:shade val="50000"/>
+            </a:schemeClr>
+          </a:lnRef>
+          <a:fillRef idx="1">
+            <a:schemeClr val="accent1"/>
+          </a:fillRef>
+          <a:effectRef idx="0">
+            <a:schemeClr val="accent1"/>
+          </a:effectRef>
+          <a:fontRef idx="minor">
+            <a:schemeClr val="lt1"/>
+          </a:fontRef>
+        </p:style>
+        <p:txBody>
+          <a:bodyPr rtlCol="0" anchor="ctr"/>
+          <a:lstStyle/>
+          <a:p>
+            <a:pPr algn="ctr"/>
+            <a:endParaRPr lang="zh-TW" altLang="en-US"/>
+          </a:p>
+        </p:txBody>
+      </p:sp>
+      <p:sp>
+        <p:nvSpPr>
+          <p:cNvPr id="7" name="矩形 6">
+            <a:extLst>
+              <a:ext uri="{FF2B5EF4-FFF2-40B4-BE49-F238E27FC236}">
+                <a16:creationId xmlns:a16="http://schemas.microsoft.com/office/drawing/2014/main" id="{47D60BE8-6CC5-C4DD-6AEE-34EFFAB9B40A}"/>
+              </a:ext>
+            </a:extLst>
+          </p:cNvPr>
+          <p:cNvSpPr/>
+          <p:nvPr/>
+        </p:nvSpPr>
+        <p:spPr>
+          <a:xfrm>
+            <a:off x="650382" y="1603416"/>
+            <a:ext cx="5576551" cy="1667817"/>
+          </a:xfrm>
+          <a:prstGeom prst="rect">
+            <a:avLst/>
+          </a:prstGeom>
+          <a:noFill/>
+          <a:ln w="38100">
+            <a:solidFill>
+              <a:srgbClr val="56C4C5"/>
+            </a:solidFill>
+          </a:ln>
+        </p:spPr>
+        <p:style>
+          <a:lnRef idx="2">
+            <a:schemeClr val="accent1">
+              <a:shade val="50000"/>
+            </a:schemeClr>
+          </a:lnRef>
+          <a:fillRef idx="1">
+            <a:schemeClr val="accent1"/>
+          </a:fillRef>
+          <a:effectRef idx="0">
+            <a:schemeClr val="accent1"/>
+          </a:effectRef>
+          <a:fontRef idx="minor">
+            <a:schemeClr val="lt1"/>
+          </a:fontRef>
+        </p:style>
+        <p:txBody>
+          <a:bodyPr rtlCol="0" anchor="ctr"/>
+          <a:lstStyle/>
+          <a:p>
+            <a:pPr algn="ctr"/>
+            <a:endParaRPr lang="zh-TW" altLang="en-US"/>
+          </a:p>
+        </p:txBody>
+      </p:sp>
+      <p:sp>
+        <p:nvSpPr>
+          <p:cNvPr id="8" name="矩形 7">
+            <a:extLst>
+              <a:ext uri="{FF2B5EF4-FFF2-40B4-BE49-F238E27FC236}">
+                <a16:creationId xmlns:a16="http://schemas.microsoft.com/office/drawing/2014/main" id="{3344879F-528C-1C86-DAE5-F850496A8234}"/>
+              </a:ext>
+            </a:extLst>
+          </p:cNvPr>
+          <p:cNvSpPr/>
+          <p:nvPr/>
+        </p:nvSpPr>
+        <p:spPr>
+          <a:xfrm>
+            <a:off x="470080" y="3825026"/>
+            <a:ext cx="5913550" cy="5986884"/>
+          </a:xfrm>
+          <a:prstGeom prst="rect">
+            <a:avLst/>
+          </a:prstGeom>
+          <a:noFill/>
+          <a:ln w="38100">
+            <a:solidFill>
+              <a:srgbClr val="F5CA52"/>
+            </a:solidFill>
+          </a:ln>
+        </p:spPr>
+        <p:style>
+          <a:lnRef idx="2">
+            <a:schemeClr val="accent1">
+              <a:shade val="50000"/>
+            </a:schemeClr>
+          </a:lnRef>
+          <a:fillRef idx="1">
+            <a:schemeClr val="accent1"/>
+          </a:fillRef>
+          <a:effectRef idx="0">
+            <a:schemeClr val="accent1"/>
+          </a:effectRef>
+          <a:fontRef idx="minor">
+            <a:schemeClr val="lt1"/>
+          </a:fontRef>
+        </p:style>
+        <p:txBody>
+          <a:bodyPr rtlCol="0" anchor="ctr"/>
+          <a:lstStyle/>
+          <a:p>
+            <a:pPr algn="ctr"/>
+            <a:endParaRPr lang="zh-TW" altLang="en-US"/>
+          </a:p>
+        </p:txBody>
+      </p:sp>
+      <p:sp>
+        <p:nvSpPr>
+          <p:cNvPr id="9" name="矩形 8">
+            <a:extLst>
+              <a:ext uri="{FF2B5EF4-FFF2-40B4-BE49-F238E27FC236}">
+                <a16:creationId xmlns:a16="http://schemas.microsoft.com/office/drawing/2014/main" id="{4AF29343-EF03-BAD4-BEE2-A2547586E34E}"/>
+              </a:ext>
+            </a:extLst>
+          </p:cNvPr>
+          <p:cNvSpPr/>
+          <p:nvPr/>
+        </p:nvSpPr>
+        <p:spPr>
+          <a:xfrm>
+            <a:off x="481882" y="10084157"/>
+            <a:ext cx="5913550" cy="1573369"/>
+          </a:xfrm>
+          <a:prstGeom prst="rect">
+            <a:avLst/>
+          </a:prstGeom>
+          <a:noFill/>
+          <a:ln w="38100">
+            <a:solidFill>
+              <a:srgbClr val="221E1F"/>
+            </a:solidFill>
+          </a:ln>
+        </p:spPr>
+        <p:style>
+          <a:lnRef idx="2">
+            <a:schemeClr val="accent1">
+              <a:shade val="50000"/>
+            </a:schemeClr>
+          </a:lnRef>
+          <a:fillRef idx="1">
+            <a:schemeClr val="accent1"/>
+          </a:fillRef>
+          <a:effectRef idx="0">
+            <a:schemeClr val="accent1"/>
+          </a:effectRef>
+          <a:fontRef idx="minor">
+            <a:schemeClr val="lt1"/>
+          </a:fontRef>
+        </p:style>
+        <p:txBody>
+          <a:bodyPr rtlCol="0" anchor="ctr"/>
+          <a:lstStyle/>
+          <a:p>
+            <a:pPr algn="ctr"/>
+            <a:endParaRPr lang="zh-TW" altLang="en-US"/>
+          </a:p>
+        </p:txBody>
+      </p:sp>
+      <p:sp>
+        <p:nvSpPr>
+          <p:cNvPr id="11" name="文字方塊 10">
+            <a:extLst>
+              <a:ext uri="{FF2B5EF4-FFF2-40B4-BE49-F238E27FC236}">
+                <a16:creationId xmlns:a16="http://schemas.microsoft.com/office/drawing/2014/main" id="{2D41468B-B075-8904-4BBE-CC8A4CF7D8D2}"/>
+              </a:ext>
+            </a:extLst>
+          </p:cNvPr>
+          <p:cNvSpPr txBox="1"/>
+          <p:nvPr/>
+        </p:nvSpPr>
+        <p:spPr>
+          <a:xfrm>
+            <a:off x="244699" y="192172"/>
+            <a:ext cx="1684723" cy="369332"/>
+          </a:xfrm>
+          <a:prstGeom prst="rect">
+            <a:avLst/>
+          </a:prstGeom>
+          <a:noFill/>
+        </p:spPr>
+        <p:txBody>
+          <a:bodyPr wrap="square" rtlCol="0">
+            <a:spAutoFit/>
+          </a:bodyPr>
+          <a:lstStyle/>
+          <a:p>
+            <a:r>
+              <a:rPr lang="en-US" altLang="zh-TW" dirty="0"/>
+              <a:t>.wrap</a:t>
+            </a:r>
+            <a:endParaRPr lang="zh-TW" altLang="en-US" dirty="0"/>
+          </a:p>
+        </p:txBody>
+      </p:sp>
+      <p:sp>
+        <p:nvSpPr>
+          <p:cNvPr id="12" name="文字方塊 11">
+            <a:extLst>
+              <a:ext uri="{FF2B5EF4-FFF2-40B4-BE49-F238E27FC236}">
+                <a16:creationId xmlns:a16="http://schemas.microsoft.com/office/drawing/2014/main" id="{3120439D-7F55-6966-0BDF-C63E520A67CA}"/>
+              </a:ext>
+            </a:extLst>
+          </p:cNvPr>
+          <p:cNvSpPr txBox="1"/>
+          <p:nvPr/>
+        </p:nvSpPr>
+        <p:spPr>
+          <a:xfrm>
+            <a:off x="470078" y="605307"/>
+            <a:ext cx="1684723" cy="369332"/>
+          </a:xfrm>
+          <a:prstGeom prst="rect">
+            <a:avLst/>
+          </a:prstGeom>
+          <a:noFill/>
+        </p:spPr>
+        <p:txBody>
+          <a:bodyPr wrap="square" rtlCol="0">
+            <a:spAutoFit/>
+          </a:bodyPr>
+          <a:lstStyle/>
+          <a:p>
+            <a:r>
+              <a:rPr lang="en-US" altLang="zh-TW" dirty="0"/>
+              <a:t>.header</a:t>
+            </a:r>
+            <a:endParaRPr lang="zh-TW" altLang="en-US" dirty="0"/>
+          </a:p>
+        </p:txBody>
+      </p:sp>
+      <p:sp>
+        <p:nvSpPr>
+          <p:cNvPr id="14" name="文字方塊 13">
+            <a:extLst>
+              <a:ext uri="{FF2B5EF4-FFF2-40B4-BE49-F238E27FC236}">
+                <a16:creationId xmlns:a16="http://schemas.microsoft.com/office/drawing/2014/main" id="{1E07E3B5-42DF-7938-0668-C704DCB8AC80}"/>
+              </a:ext>
+            </a:extLst>
+          </p:cNvPr>
+          <p:cNvSpPr txBox="1"/>
+          <p:nvPr/>
+        </p:nvSpPr>
+        <p:spPr>
+          <a:xfrm>
+            <a:off x="709941" y="1075812"/>
+            <a:ext cx="5269439" cy="369332"/>
+          </a:xfrm>
+          <a:prstGeom prst="rect">
+            <a:avLst/>
+          </a:prstGeom>
+          <a:noFill/>
+        </p:spPr>
+        <p:txBody>
+          <a:bodyPr wrap="square" rtlCol="0">
+            <a:spAutoFit/>
+          </a:bodyPr>
+          <a:lstStyle/>
+          <a:p>
+            <a:r>
+              <a:rPr lang="en-US" altLang="zh-TW" dirty="0"/>
+              <a:t>.nav .container -&gt;</a:t>
+            </a:r>
+            <a:r>
+              <a:rPr lang="en-US" altLang="zh-TW" dirty="0" err="1"/>
+              <a:t>ul.navbar</a:t>
+            </a:r>
+            <a:r>
+              <a:rPr lang="en-US" altLang="zh-TW" dirty="0"/>
+              <a:t>&gt;(li&gt;a&gt;</a:t>
+            </a:r>
+            <a:r>
+              <a:rPr lang="en-US" altLang="zh-TW" dirty="0" err="1"/>
+              <a:t>img</a:t>
+            </a:r>
+            <a:r>
+              <a:rPr lang="en-US" altLang="zh-TW" dirty="0"/>
+              <a:t>)+(</a:t>
+            </a:r>
+            <a:r>
+              <a:rPr lang="en-US" altLang="zh-TW" dirty="0" err="1"/>
+              <a:t>li.navbox</a:t>
+            </a:r>
+            <a:r>
+              <a:rPr lang="en-US" altLang="zh-TW" dirty="0"/>
+              <a:t>&gt;a)</a:t>
+            </a:r>
+            <a:endParaRPr lang="zh-TW" altLang="en-US" dirty="0"/>
+          </a:p>
+        </p:txBody>
+      </p:sp>
+      <p:sp>
+        <p:nvSpPr>
+          <p:cNvPr id="16" name="文字方塊 15">
+            <a:extLst>
+              <a:ext uri="{FF2B5EF4-FFF2-40B4-BE49-F238E27FC236}">
+                <a16:creationId xmlns:a16="http://schemas.microsoft.com/office/drawing/2014/main" id="{45C8C5F3-F689-2B25-43F7-1140BB348A8D}"/>
+              </a:ext>
+            </a:extLst>
+          </p:cNvPr>
+          <p:cNvSpPr txBox="1"/>
+          <p:nvPr/>
+        </p:nvSpPr>
+        <p:spPr>
+          <a:xfrm>
+            <a:off x="698090" y="1684848"/>
+            <a:ext cx="5336950" cy="369332"/>
+          </a:xfrm>
+          <a:prstGeom prst="rect">
+            <a:avLst/>
+          </a:prstGeom>
+          <a:noFill/>
+        </p:spPr>
+        <p:txBody>
+          <a:bodyPr wrap="square" rtlCol="0">
+            <a:spAutoFit/>
+          </a:bodyPr>
+          <a:lstStyle/>
+          <a:p>
+            <a:r>
+              <a:rPr lang="en-US" altLang="zh-TW" dirty="0"/>
+              <a:t>.banner&gt;(</a:t>
+            </a:r>
+            <a:r>
+              <a:rPr lang="en-US" altLang="zh-TW" dirty="0" err="1"/>
+              <a:t>ul.bannertitle</a:t>
+            </a:r>
+            <a:r>
+              <a:rPr lang="en-US" altLang="zh-TW" dirty="0"/>
+              <a:t>&gt;(li&gt;h4)+(li&gt;h1)+(p))+</a:t>
+            </a:r>
+            <a:r>
+              <a:rPr lang="en-US" altLang="zh-TW" dirty="0" err="1"/>
+              <a:t>img</a:t>
+            </a:r>
+            <a:endParaRPr lang="zh-TW" altLang="en-US" dirty="0"/>
+          </a:p>
+        </p:txBody>
+      </p:sp>
+      <p:sp>
+        <p:nvSpPr>
+          <p:cNvPr id="17" name="文字方塊 16">
+            <a:extLst>
+              <a:ext uri="{FF2B5EF4-FFF2-40B4-BE49-F238E27FC236}">
+                <a16:creationId xmlns:a16="http://schemas.microsoft.com/office/drawing/2014/main" id="{D686B807-E303-6DCB-3B54-8D4EAE0A3A08}"/>
+              </a:ext>
+            </a:extLst>
+          </p:cNvPr>
+          <p:cNvSpPr txBox="1"/>
+          <p:nvPr/>
+        </p:nvSpPr>
+        <p:spPr>
+          <a:xfrm>
+            <a:off x="650382" y="3947468"/>
+            <a:ext cx="5557236" cy="646331"/>
+          </a:xfrm>
+          <a:prstGeom prst="rect">
+            <a:avLst/>
+          </a:prstGeom>
+          <a:noFill/>
+        </p:spPr>
+        <p:txBody>
+          <a:bodyPr wrap="square" rtlCol="0">
+            <a:spAutoFit/>
+          </a:bodyPr>
+          <a:lstStyle/>
+          <a:p>
+            <a:r>
+              <a:rPr lang="en-US" altLang="zh-TW" dirty="0"/>
+              <a:t>.</a:t>
+            </a:r>
+            <a:r>
+              <a:rPr lang="en-US" altLang="zh-TW" dirty="0" err="1"/>
+              <a:t>tandemplatfarm</a:t>
+            </a:r>
+            <a:r>
+              <a:rPr lang="en-US" altLang="zh-TW" dirty="0"/>
+              <a:t>&gt;h2+(</a:t>
+            </a:r>
+            <a:r>
+              <a:rPr lang="en-US" altLang="zh-TW" dirty="0" err="1"/>
+              <a:t>ul.tandemplatfarmcard</a:t>
+            </a:r>
+            <a:r>
+              <a:rPr lang="en-US" altLang="zh-TW" dirty="0"/>
+              <a:t>&gt;li*3&gt;(img+h3+p))</a:t>
+            </a:r>
+            <a:endParaRPr lang="zh-TW" altLang="en-US" dirty="0"/>
+          </a:p>
+        </p:txBody>
+      </p:sp>
+      <p:sp>
+        <p:nvSpPr>
+          <p:cNvPr id="18" name="文字方塊 17">
+            <a:extLst>
+              <a:ext uri="{FF2B5EF4-FFF2-40B4-BE49-F238E27FC236}">
+                <a16:creationId xmlns:a16="http://schemas.microsoft.com/office/drawing/2014/main" id="{1071887A-AAAB-69D4-81B9-A51CBC3E6FDE}"/>
+              </a:ext>
+            </a:extLst>
+          </p:cNvPr>
+          <p:cNvSpPr txBox="1"/>
+          <p:nvPr/>
+        </p:nvSpPr>
+        <p:spPr>
+          <a:xfrm>
+            <a:off x="470077" y="3501039"/>
+            <a:ext cx="1684723" cy="369332"/>
+          </a:xfrm>
+          <a:prstGeom prst="rect">
+            <a:avLst/>
+          </a:prstGeom>
+          <a:noFill/>
+        </p:spPr>
+        <p:txBody>
+          <a:bodyPr wrap="square" rtlCol="0">
+            <a:spAutoFit/>
+          </a:bodyPr>
+          <a:lstStyle/>
+          <a:p>
+            <a:r>
+              <a:rPr lang="en-US" altLang="zh-TW" dirty="0"/>
+              <a:t>.main</a:t>
+            </a:r>
+            <a:endParaRPr lang="zh-TW" altLang="en-US" dirty="0"/>
+          </a:p>
+        </p:txBody>
+      </p:sp>
+      <p:sp>
+        <p:nvSpPr>
+          <p:cNvPr id="19" name="矩形 18">
+            <a:extLst>
+              <a:ext uri="{FF2B5EF4-FFF2-40B4-BE49-F238E27FC236}">
+                <a16:creationId xmlns:a16="http://schemas.microsoft.com/office/drawing/2014/main" id="{811DE8F9-66AD-6E13-DDE8-72A62FF6A64B}"/>
+              </a:ext>
+            </a:extLst>
+          </p:cNvPr>
+          <p:cNvSpPr/>
+          <p:nvPr/>
+        </p:nvSpPr>
+        <p:spPr>
+          <a:xfrm>
+            <a:off x="650382" y="3977426"/>
+            <a:ext cx="5576551" cy="1368000"/>
+          </a:xfrm>
+          <a:prstGeom prst="rect">
+            <a:avLst/>
+          </a:prstGeom>
+          <a:noFill/>
+          <a:ln w="38100">
+            <a:solidFill>
+              <a:srgbClr val="F5CA52"/>
+            </a:solidFill>
+          </a:ln>
+        </p:spPr>
+        <p:style>
+          <a:lnRef idx="2">
+            <a:schemeClr val="accent1">
+              <a:shade val="50000"/>
+            </a:schemeClr>
+          </a:lnRef>
+          <a:fillRef idx="1">
+            <a:schemeClr val="accent1"/>
+          </a:fillRef>
+          <a:effectRef idx="0">
+            <a:schemeClr val="accent1"/>
+          </a:effectRef>
+          <a:fontRef idx="minor">
+            <a:schemeClr val="lt1"/>
+          </a:fontRef>
+        </p:style>
+        <p:txBody>
+          <a:bodyPr rtlCol="0" anchor="ctr"/>
+          <a:lstStyle/>
+          <a:p>
+            <a:pPr algn="ctr"/>
+            <a:endParaRPr lang="zh-TW" altLang="en-US"/>
+          </a:p>
+        </p:txBody>
+      </p:sp>
+      <p:sp>
+        <p:nvSpPr>
+          <p:cNvPr id="20" name="矩形 19">
+            <a:extLst>
+              <a:ext uri="{FF2B5EF4-FFF2-40B4-BE49-F238E27FC236}">
+                <a16:creationId xmlns:a16="http://schemas.microsoft.com/office/drawing/2014/main" id="{C88D45C4-5BF5-A9A5-0221-1A4BCE206E8A}"/>
+              </a:ext>
+            </a:extLst>
+          </p:cNvPr>
+          <p:cNvSpPr/>
+          <p:nvPr/>
+        </p:nvSpPr>
+        <p:spPr>
+          <a:xfrm>
+            <a:off x="631067" y="5412000"/>
+            <a:ext cx="5576551" cy="1368000"/>
+          </a:xfrm>
+          <a:prstGeom prst="rect">
+            <a:avLst/>
+          </a:prstGeom>
+          <a:noFill/>
+          <a:ln w="38100">
+            <a:solidFill>
+              <a:srgbClr val="F5CA52"/>
+            </a:solidFill>
+          </a:ln>
+        </p:spPr>
+        <p:style>
+          <a:lnRef idx="2">
+            <a:schemeClr val="accent1">
+              <a:shade val="50000"/>
+            </a:schemeClr>
+          </a:lnRef>
+          <a:fillRef idx="1">
+            <a:schemeClr val="accent1"/>
+          </a:fillRef>
+          <a:effectRef idx="0">
+            <a:schemeClr val="accent1"/>
+          </a:effectRef>
+          <a:fontRef idx="minor">
+            <a:schemeClr val="lt1"/>
+          </a:fontRef>
+        </p:style>
+        <p:txBody>
+          <a:bodyPr rtlCol="0" anchor="ctr"/>
+          <a:lstStyle/>
+          <a:p>
+            <a:pPr algn="ctr"/>
+            <a:endParaRPr lang="zh-TW" altLang="en-US"/>
+          </a:p>
+        </p:txBody>
+      </p:sp>
+      <p:sp>
+        <p:nvSpPr>
+          <p:cNvPr id="21" name="文字方塊 20">
+            <a:extLst>
+              <a:ext uri="{FF2B5EF4-FFF2-40B4-BE49-F238E27FC236}">
+                <a16:creationId xmlns:a16="http://schemas.microsoft.com/office/drawing/2014/main" id="{F24DFF12-B46B-9BA6-8A8A-309E5AC30E6F}"/>
+              </a:ext>
+            </a:extLst>
+          </p:cNvPr>
+          <p:cNvSpPr txBox="1"/>
+          <p:nvPr/>
+        </p:nvSpPr>
+        <p:spPr>
+          <a:xfrm>
+            <a:off x="650382" y="5410842"/>
+            <a:ext cx="5480074" cy="369332"/>
+          </a:xfrm>
+          <a:prstGeom prst="rect">
+            <a:avLst/>
+          </a:prstGeom>
+          <a:noFill/>
+        </p:spPr>
+        <p:txBody>
+          <a:bodyPr wrap="square" rtlCol="0">
+            <a:spAutoFit/>
+          </a:bodyPr>
+          <a:lstStyle/>
+          <a:p>
+            <a:r>
+              <a:rPr lang="en-US" altLang="zh-TW" dirty="0"/>
+              <a:t>.service&gt;(h2+p)+</a:t>
+            </a:r>
+            <a:r>
+              <a:rPr lang="en-US" altLang="zh-TW" dirty="0" err="1"/>
+              <a:t>ul.servicecard</a:t>
+            </a:r>
+            <a:r>
+              <a:rPr lang="en-US" altLang="zh-TW" dirty="0"/>
+              <a:t>&gt;li*4&gt;(</a:t>
+            </a:r>
+            <a:r>
+              <a:rPr lang="en-US" altLang="zh-TW" dirty="0" err="1"/>
+              <a:t>img+p</a:t>
+            </a:r>
+            <a:r>
+              <a:rPr lang="en-US" altLang="zh-TW" dirty="0"/>
+              <a:t>*2)</a:t>
+            </a:r>
+            <a:endParaRPr lang="zh-TW" altLang="en-US" dirty="0"/>
+          </a:p>
+        </p:txBody>
+      </p:sp>
+      <p:sp>
+        <p:nvSpPr>
+          <p:cNvPr id="22" name="矩形 21">
+            <a:extLst>
+              <a:ext uri="{FF2B5EF4-FFF2-40B4-BE49-F238E27FC236}">
+                <a16:creationId xmlns:a16="http://schemas.microsoft.com/office/drawing/2014/main" id="{A6426D2A-F560-A8CF-8853-8C720EDAA973}"/>
+              </a:ext>
+            </a:extLst>
+          </p:cNvPr>
+          <p:cNvSpPr/>
+          <p:nvPr/>
+        </p:nvSpPr>
+        <p:spPr>
+          <a:xfrm>
+            <a:off x="650382" y="6857097"/>
+            <a:ext cx="5576551" cy="1368000"/>
+          </a:xfrm>
+          <a:prstGeom prst="rect">
+            <a:avLst/>
+          </a:prstGeom>
+          <a:noFill/>
+          <a:ln w="38100">
+            <a:solidFill>
+              <a:srgbClr val="F5CA52"/>
+            </a:solidFill>
+          </a:ln>
+        </p:spPr>
+        <p:style>
+          <a:lnRef idx="2">
+            <a:schemeClr val="accent1">
+              <a:shade val="50000"/>
+            </a:schemeClr>
+          </a:lnRef>
+          <a:fillRef idx="1">
+            <a:schemeClr val="accent1"/>
+          </a:fillRef>
+          <a:effectRef idx="0">
+            <a:schemeClr val="accent1"/>
+          </a:effectRef>
+          <a:fontRef idx="minor">
+            <a:schemeClr val="lt1"/>
+          </a:fontRef>
+        </p:style>
+        <p:txBody>
+          <a:bodyPr rtlCol="0" anchor="ctr"/>
+          <a:lstStyle/>
+          <a:p>
+            <a:pPr algn="ctr"/>
+            <a:endParaRPr lang="zh-TW" altLang="en-US"/>
+          </a:p>
+        </p:txBody>
+      </p:sp>
+      <p:sp>
+        <p:nvSpPr>
+          <p:cNvPr id="23" name="文字方塊 22">
+            <a:extLst>
+              <a:ext uri="{FF2B5EF4-FFF2-40B4-BE49-F238E27FC236}">
+                <a16:creationId xmlns:a16="http://schemas.microsoft.com/office/drawing/2014/main" id="{F28255D3-EBD9-1B20-5339-8B6F9D3A17CE}"/>
+              </a:ext>
+            </a:extLst>
+          </p:cNvPr>
+          <p:cNvSpPr txBox="1"/>
+          <p:nvPr/>
+        </p:nvSpPr>
+        <p:spPr>
+          <a:xfrm>
+            <a:off x="650382" y="6857097"/>
+            <a:ext cx="5420514" cy="646331"/>
+          </a:xfrm>
+          <a:prstGeom prst="rect">
+            <a:avLst/>
+          </a:prstGeom>
+          <a:noFill/>
+        </p:spPr>
+        <p:txBody>
+          <a:bodyPr wrap="square" rtlCol="0">
+            <a:spAutoFit/>
+          </a:bodyPr>
+          <a:lstStyle/>
+          <a:p>
+            <a:r>
+              <a:rPr lang="en-US" altLang="zh-TW" dirty="0"/>
+              <a:t>.program&gt;(</a:t>
+            </a:r>
+            <a:r>
+              <a:rPr lang="en-US" altLang="zh-TW" dirty="0" err="1"/>
+              <a:t>ul.programcard</a:t>
+            </a:r>
+            <a:r>
+              <a:rPr lang="en-US" altLang="zh-TW" dirty="0"/>
+              <a:t>&gt;li*4&gt;(img+h4+p))+(.</a:t>
+            </a:r>
+            <a:r>
+              <a:rPr lang="en-US" altLang="zh-TW" dirty="0" err="1"/>
+              <a:t>programtitle</a:t>
+            </a:r>
+            <a:r>
+              <a:rPr lang="en-US" altLang="zh-TW" dirty="0"/>
+              <a:t>&gt;h2+h4+.box&gt;a)</a:t>
+            </a:r>
+            <a:endParaRPr lang="zh-TW" altLang="en-US" dirty="0"/>
+          </a:p>
+        </p:txBody>
+      </p:sp>
+      <p:sp>
+        <p:nvSpPr>
+          <p:cNvPr id="24" name="矩形 23">
+            <a:extLst>
+              <a:ext uri="{FF2B5EF4-FFF2-40B4-BE49-F238E27FC236}">
+                <a16:creationId xmlns:a16="http://schemas.microsoft.com/office/drawing/2014/main" id="{474FBDC6-ED22-6E16-5CCF-D0774997397C}"/>
+              </a:ext>
+            </a:extLst>
+          </p:cNvPr>
+          <p:cNvSpPr/>
+          <p:nvPr/>
+        </p:nvSpPr>
+        <p:spPr>
+          <a:xfrm>
+            <a:off x="650382" y="8317488"/>
+            <a:ext cx="5576551" cy="1368000"/>
+          </a:xfrm>
+          <a:prstGeom prst="rect">
+            <a:avLst/>
+          </a:prstGeom>
+          <a:noFill/>
+          <a:ln w="38100">
+            <a:solidFill>
+              <a:srgbClr val="F5CA52"/>
+            </a:solidFill>
+          </a:ln>
+        </p:spPr>
+        <p:style>
+          <a:lnRef idx="2">
+            <a:schemeClr val="accent1">
+              <a:shade val="50000"/>
+            </a:schemeClr>
+          </a:lnRef>
+          <a:fillRef idx="1">
+            <a:schemeClr val="accent1"/>
+          </a:fillRef>
+          <a:effectRef idx="0">
+            <a:schemeClr val="accent1"/>
+          </a:effectRef>
+          <a:fontRef idx="minor">
+            <a:schemeClr val="lt1"/>
+          </a:fontRef>
+        </p:style>
+        <p:txBody>
+          <a:bodyPr rtlCol="0" anchor="ctr"/>
+          <a:lstStyle/>
+          <a:p>
+            <a:pPr algn="ctr"/>
+            <a:endParaRPr lang="zh-TW" altLang="en-US"/>
+          </a:p>
+        </p:txBody>
+      </p:sp>
+      <p:sp>
+        <p:nvSpPr>
+          <p:cNvPr id="25" name="文字方塊 24">
+            <a:extLst>
+              <a:ext uri="{FF2B5EF4-FFF2-40B4-BE49-F238E27FC236}">
+                <a16:creationId xmlns:a16="http://schemas.microsoft.com/office/drawing/2014/main" id="{595C52CE-687A-3996-7C01-6963CE3514AC}"/>
+              </a:ext>
+            </a:extLst>
+          </p:cNvPr>
+          <p:cNvSpPr txBox="1"/>
+          <p:nvPr/>
+        </p:nvSpPr>
+        <p:spPr>
+          <a:xfrm>
+            <a:off x="634403" y="8312117"/>
+            <a:ext cx="5420514" cy="646331"/>
+          </a:xfrm>
+          <a:prstGeom prst="rect">
+            <a:avLst/>
+          </a:prstGeom>
+          <a:noFill/>
+        </p:spPr>
+        <p:txBody>
+          <a:bodyPr wrap="square" rtlCol="0">
+            <a:spAutoFit/>
+          </a:bodyPr>
+          <a:lstStyle/>
+          <a:p>
+            <a:r>
+              <a:rPr lang="en-US" altLang="zh-TW" dirty="0"/>
+              <a:t>.article&gt;h2+(</a:t>
+            </a:r>
+            <a:r>
+              <a:rPr lang="en-US" altLang="zh-TW" dirty="0" err="1"/>
+              <a:t>ul.articlecard</a:t>
+            </a:r>
+            <a:r>
+              <a:rPr lang="en-US" altLang="zh-TW" dirty="0"/>
+              <a:t>&gt;li*3&gt;(</a:t>
+            </a:r>
+            <a:r>
+              <a:rPr lang="en-US" altLang="zh-TW" dirty="0" err="1"/>
+              <a:t>img+p</a:t>
+            </a:r>
+            <a:r>
+              <a:rPr lang="en-US" altLang="zh-TW" dirty="0"/>
+              <a:t>)+</a:t>
+            </a:r>
+            <a:r>
+              <a:rPr lang="en-US" altLang="zh-TW" dirty="0" err="1"/>
+              <a:t>ul.articleitem</a:t>
+            </a:r>
+            <a:r>
+              <a:rPr lang="en-US" altLang="zh-TW" dirty="0"/>
+              <a:t>&gt;(li&gt;p*2)+(li&gt;</a:t>
+            </a:r>
+            <a:r>
+              <a:rPr lang="en-US" altLang="zh-TW" dirty="0" err="1"/>
+              <a:t>img</a:t>
+            </a:r>
+            <a:r>
+              <a:rPr lang="en-US" altLang="zh-TW" dirty="0"/>
+              <a:t>)</a:t>
+            </a:r>
+            <a:endParaRPr lang="zh-TW" altLang="en-US" dirty="0"/>
+          </a:p>
+        </p:txBody>
+      </p:sp>
+      <p:sp>
+        <p:nvSpPr>
+          <p:cNvPr id="26" name="文字方塊 25">
+            <a:extLst>
+              <a:ext uri="{FF2B5EF4-FFF2-40B4-BE49-F238E27FC236}">
+                <a16:creationId xmlns:a16="http://schemas.microsoft.com/office/drawing/2014/main" id="{D08FF531-2CD6-9EC2-9D70-3217B93A1EEC}"/>
+              </a:ext>
+            </a:extLst>
+          </p:cNvPr>
+          <p:cNvSpPr txBox="1"/>
+          <p:nvPr/>
+        </p:nvSpPr>
+        <p:spPr>
+          <a:xfrm>
+            <a:off x="462568" y="9736768"/>
+            <a:ext cx="1684723" cy="369332"/>
+          </a:xfrm>
+          <a:prstGeom prst="rect">
+            <a:avLst/>
+          </a:prstGeom>
+          <a:noFill/>
+        </p:spPr>
+        <p:txBody>
+          <a:bodyPr wrap="square" rtlCol="0">
+            <a:spAutoFit/>
+          </a:bodyPr>
+          <a:lstStyle/>
+          <a:p>
+            <a:r>
+              <a:rPr lang="en-US" altLang="zh-TW" dirty="0"/>
+              <a:t>.footer</a:t>
+            </a:r>
+            <a:endParaRPr lang="zh-TW" altLang="en-US" dirty="0"/>
+          </a:p>
+        </p:txBody>
+      </p:sp>
+      <p:sp>
+        <p:nvSpPr>
+          <p:cNvPr id="28" name="文字方塊 27">
+            <a:extLst>
+              <a:ext uri="{FF2B5EF4-FFF2-40B4-BE49-F238E27FC236}">
+                <a16:creationId xmlns:a16="http://schemas.microsoft.com/office/drawing/2014/main" id="{062A2FC1-019F-924D-5770-90982DE30816}"/>
+              </a:ext>
+            </a:extLst>
+          </p:cNvPr>
+          <p:cNvSpPr txBox="1"/>
+          <p:nvPr/>
+        </p:nvSpPr>
+        <p:spPr>
+          <a:xfrm>
+            <a:off x="481882" y="10101641"/>
+            <a:ext cx="5420514" cy="646331"/>
+          </a:xfrm>
+          <a:prstGeom prst="rect">
+            <a:avLst/>
+          </a:prstGeom>
+          <a:noFill/>
+        </p:spPr>
+        <p:txBody>
+          <a:bodyPr wrap="square" rtlCol="0">
+            <a:spAutoFit/>
+          </a:bodyPr>
+          <a:lstStyle/>
+          <a:p>
+            <a:r>
+              <a:rPr lang="en-US" altLang="zh-TW" dirty="0" err="1"/>
+              <a:t>Img+img</a:t>
+            </a:r>
+            <a:r>
+              <a:rPr lang="zh-TW" altLang="en-US" dirty="0"/>
+              <a:t>*</a:t>
+            </a:r>
+            <a:r>
+              <a:rPr lang="en-US" altLang="zh-TW" dirty="0"/>
+              <a:t>4</a:t>
+            </a:r>
+          </a:p>
+          <a:p>
+            <a:r>
+              <a:rPr lang="en-US" altLang="zh-TW" dirty="0" err="1"/>
+              <a:t>ul</a:t>
+            </a:r>
+            <a:r>
+              <a:rPr lang="en-US" altLang="zh-TW" dirty="0"/>
+              <a:t>&gt;(li&gt;H2+.footerbox&gt;a)+li&gt;p</a:t>
+            </a:r>
+            <a:endParaRPr lang="zh-TW" altLang="en-US" dirty="0"/>
           </a:p>
         </p:txBody>
       </p:sp>

--- a/公益體驗營/公益程式體驗營(作業架構圖).pptx
+++ b/公益體驗營/公益程式體驗營(作業架構圖).pptx
@@ -9,6 +9,7 @@
     <p:sldId id="256" r:id="rId3"/>
     <p:sldId id="258" r:id="rId4"/>
     <p:sldId id="259" r:id="rId5"/>
+    <p:sldId id="260" r:id="rId6"/>
   </p:sldIdLst>
   <p:sldSz cx="6858000" cy="12192000"/>
   <p:notesSz cx="6858000" cy="9144000"/>
@@ -246,7 +247,7 @@
           <a:p>
             <a:fld id="{A473C728-C639-463F-9C88-29FD828D22F3}" type="datetimeFigureOut">
               <a:rPr lang="zh-TW" altLang="en-US" smtClean="0"/>
-              <a:t>2022/5/28</a:t>
+              <a:t>2022/6/11</a:t>
             </a:fld>
             <a:endParaRPr lang="zh-TW" altLang="en-US"/>
           </a:p>
@@ -416,7 +417,7 @@
           <a:p>
             <a:fld id="{A473C728-C639-463F-9C88-29FD828D22F3}" type="datetimeFigureOut">
               <a:rPr lang="zh-TW" altLang="en-US" smtClean="0"/>
-              <a:t>2022/5/28</a:t>
+              <a:t>2022/6/11</a:t>
             </a:fld>
             <a:endParaRPr lang="zh-TW" altLang="en-US"/>
           </a:p>
@@ -596,7 +597,7 @@
           <a:p>
             <a:fld id="{A473C728-C639-463F-9C88-29FD828D22F3}" type="datetimeFigureOut">
               <a:rPr lang="zh-TW" altLang="en-US" smtClean="0"/>
-              <a:t>2022/5/28</a:t>
+              <a:t>2022/6/11</a:t>
             </a:fld>
             <a:endParaRPr lang="zh-TW" altLang="en-US"/>
           </a:p>
@@ -766,7 +767,7 @@
           <a:p>
             <a:fld id="{A473C728-C639-463F-9C88-29FD828D22F3}" type="datetimeFigureOut">
               <a:rPr lang="zh-TW" altLang="en-US" smtClean="0"/>
-              <a:t>2022/5/28</a:t>
+              <a:t>2022/6/11</a:t>
             </a:fld>
             <a:endParaRPr lang="zh-TW" altLang="en-US"/>
           </a:p>
@@ -1010,7 +1011,7 @@
           <a:p>
             <a:fld id="{A473C728-C639-463F-9C88-29FD828D22F3}" type="datetimeFigureOut">
               <a:rPr lang="zh-TW" altLang="en-US" smtClean="0"/>
-              <a:t>2022/5/28</a:t>
+              <a:t>2022/6/11</a:t>
             </a:fld>
             <a:endParaRPr lang="zh-TW" altLang="en-US"/>
           </a:p>
@@ -1242,7 +1243,7 @@
           <a:p>
             <a:fld id="{A473C728-C639-463F-9C88-29FD828D22F3}" type="datetimeFigureOut">
               <a:rPr lang="zh-TW" altLang="en-US" smtClean="0"/>
-              <a:t>2022/5/28</a:t>
+              <a:t>2022/6/11</a:t>
             </a:fld>
             <a:endParaRPr lang="zh-TW" altLang="en-US"/>
           </a:p>
@@ -1609,7 +1610,7 @@
           <a:p>
             <a:fld id="{A473C728-C639-463F-9C88-29FD828D22F3}" type="datetimeFigureOut">
               <a:rPr lang="zh-TW" altLang="en-US" smtClean="0"/>
-              <a:t>2022/5/28</a:t>
+              <a:t>2022/6/11</a:t>
             </a:fld>
             <a:endParaRPr lang="zh-TW" altLang="en-US"/>
           </a:p>
@@ -1727,7 +1728,7 @@
           <a:p>
             <a:fld id="{A473C728-C639-463F-9C88-29FD828D22F3}" type="datetimeFigureOut">
               <a:rPr lang="zh-TW" altLang="en-US" smtClean="0"/>
-              <a:t>2022/5/28</a:t>
+              <a:t>2022/6/11</a:t>
             </a:fld>
             <a:endParaRPr lang="zh-TW" altLang="en-US"/>
           </a:p>
@@ -1822,7 +1823,7 @@
           <a:p>
             <a:fld id="{A473C728-C639-463F-9C88-29FD828D22F3}" type="datetimeFigureOut">
               <a:rPr lang="zh-TW" altLang="en-US" smtClean="0"/>
-              <a:t>2022/5/28</a:t>
+              <a:t>2022/6/11</a:t>
             </a:fld>
             <a:endParaRPr lang="zh-TW" altLang="en-US"/>
           </a:p>
@@ -2099,7 +2100,7 @@
           <a:p>
             <a:fld id="{A473C728-C639-463F-9C88-29FD828D22F3}" type="datetimeFigureOut">
               <a:rPr lang="zh-TW" altLang="en-US" smtClean="0"/>
-              <a:t>2022/5/28</a:t>
+              <a:t>2022/6/11</a:t>
             </a:fld>
             <a:endParaRPr lang="zh-TW" altLang="en-US"/>
           </a:p>
@@ -2356,7 +2357,7 @@
           <a:p>
             <a:fld id="{A473C728-C639-463F-9C88-29FD828D22F3}" type="datetimeFigureOut">
               <a:rPr lang="zh-TW" altLang="en-US" smtClean="0"/>
-              <a:t>2022/5/28</a:t>
+              <a:t>2022/6/11</a:t>
             </a:fld>
             <a:endParaRPr lang="zh-TW" altLang="en-US"/>
           </a:p>
@@ -2569,7 +2570,7 @@
           <a:p>
             <a:fld id="{A473C728-C639-463F-9C88-29FD828D22F3}" type="datetimeFigureOut">
               <a:rPr lang="zh-TW" altLang="en-US" smtClean="0"/>
-              <a:t>2022/5/28</a:t>
+              <a:t>2022/6/11</a:t>
             </a:fld>
             <a:endParaRPr lang="zh-TW" altLang="en-US"/>
           </a:p>
@@ -8955,6 +8956,361 @@
 </p:sld>
 </file>
 
+<file path=ppt/slides/slide5.xml><?xml version="1.0" encoding="utf-8"?>
+<p:sld xmlns:a="http://schemas.openxmlformats.org/drawingml/2006/main" xmlns:r="http://schemas.openxmlformats.org/officeDocument/2006/relationships" xmlns:p="http://schemas.openxmlformats.org/presentationml/2006/main">
+  <p:cSld>
+    <p:spTree>
+      <p:nvGrpSpPr>
+        <p:cNvPr id="1" name=""/>
+        <p:cNvGrpSpPr/>
+        <p:nvPr/>
+      </p:nvGrpSpPr>
+      <p:grpSpPr>
+        <a:xfrm>
+          <a:off x="0" y="0"/>
+          <a:ext cx="0" cy="0"/>
+          <a:chOff x="0" y="0"/>
+          <a:chExt cx="0" cy="0"/>
+        </a:xfrm>
+      </p:grpSpPr>
+      <p:sp>
+        <p:nvSpPr>
+          <p:cNvPr id="4" name="矩形 3">
+            <a:extLst>
+              <a:ext uri="{FF2B5EF4-FFF2-40B4-BE49-F238E27FC236}">
+                <a16:creationId xmlns:a16="http://schemas.microsoft.com/office/drawing/2014/main" id="{E00330C1-D4CE-A461-EA57-062785AAE0DC}"/>
+              </a:ext>
+            </a:extLst>
+          </p:cNvPr>
+          <p:cNvSpPr/>
+          <p:nvPr/>
+        </p:nvSpPr>
+        <p:spPr>
+          <a:xfrm>
+            <a:off x="669648" y="376360"/>
+            <a:ext cx="5576551" cy="1368000"/>
+          </a:xfrm>
+          <a:prstGeom prst="rect">
+            <a:avLst/>
+          </a:prstGeom>
+          <a:noFill/>
+          <a:ln w="38100">
+            <a:solidFill>
+              <a:srgbClr val="F5CA52"/>
+            </a:solidFill>
+          </a:ln>
+        </p:spPr>
+        <p:style>
+          <a:lnRef idx="2">
+            <a:schemeClr val="accent1">
+              <a:shade val="50000"/>
+            </a:schemeClr>
+          </a:lnRef>
+          <a:fillRef idx="1">
+            <a:schemeClr val="accent1"/>
+          </a:fillRef>
+          <a:effectRef idx="0">
+            <a:schemeClr val="accent1"/>
+          </a:effectRef>
+          <a:fontRef idx="minor">
+            <a:schemeClr val="lt1"/>
+          </a:fontRef>
+        </p:style>
+        <p:txBody>
+          <a:bodyPr rtlCol="0" anchor="ctr"/>
+          <a:lstStyle/>
+          <a:p>
+            <a:pPr algn="ctr"/>
+            <a:endParaRPr lang="zh-TW" altLang="en-US"/>
+          </a:p>
+        </p:txBody>
+      </p:sp>
+      <p:sp>
+        <p:nvSpPr>
+          <p:cNvPr id="5" name="文字方塊 4">
+            <a:extLst>
+              <a:ext uri="{FF2B5EF4-FFF2-40B4-BE49-F238E27FC236}">
+                <a16:creationId xmlns:a16="http://schemas.microsoft.com/office/drawing/2014/main" id="{7AD43ED4-24DE-DF66-F927-AAC27B2F2767}"/>
+              </a:ext>
+            </a:extLst>
+          </p:cNvPr>
+          <p:cNvSpPr txBox="1"/>
+          <p:nvPr/>
+        </p:nvSpPr>
+        <p:spPr>
+          <a:xfrm>
+            <a:off x="688963" y="375202"/>
+            <a:ext cx="5480074" cy="369332"/>
+          </a:xfrm>
+          <a:prstGeom prst="rect">
+            <a:avLst/>
+          </a:prstGeom>
+          <a:noFill/>
+        </p:spPr>
+        <p:txBody>
+          <a:bodyPr wrap="square" rtlCol="0">
+            <a:spAutoFit/>
+          </a:bodyPr>
+          <a:lstStyle/>
+          <a:p>
+            <a:r>
+              <a:rPr lang="en-US" altLang="zh-TW" dirty="0"/>
+              <a:t>.service&gt;(h2+p)+</a:t>
+            </a:r>
+            <a:r>
+              <a:rPr lang="en-US" altLang="zh-TW" dirty="0" err="1"/>
+              <a:t>ul.servicecard</a:t>
+            </a:r>
+            <a:r>
+              <a:rPr lang="en-US" altLang="zh-TW" dirty="0"/>
+              <a:t>&gt;li*4&gt;(</a:t>
+            </a:r>
+            <a:r>
+              <a:rPr lang="en-US" altLang="zh-TW" dirty="0" err="1"/>
+              <a:t>img+p</a:t>
+            </a:r>
+            <a:r>
+              <a:rPr lang="en-US" altLang="zh-TW" dirty="0"/>
+              <a:t>*2)</a:t>
+            </a:r>
+            <a:endParaRPr lang="zh-TW" altLang="en-US" dirty="0"/>
+          </a:p>
+        </p:txBody>
+      </p:sp>
+      <p:sp>
+        <p:nvSpPr>
+          <p:cNvPr id="6" name="文字方塊 5">
+            <a:extLst>
+              <a:ext uri="{FF2B5EF4-FFF2-40B4-BE49-F238E27FC236}">
+                <a16:creationId xmlns:a16="http://schemas.microsoft.com/office/drawing/2014/main" id="{6BB2E761-8C35-76DB-1CC9-ACCBB498BA7A}"/>
+              </a:ext>
+            </a:extLst>
+          </p:cNvPr>
+          <p:cNvSpPr txBox="1"/>
+          <p:nvPr/>
+        </p:nvSpPr>
+        <p:spPr>
+          <a:xfrm>
+            <a:off x="669648" y="1944278"/>
+            <a:ext cx="5138724" cy="8679299"/>
+          </a:xfrm>
+          <a:prstGeom prst="rect">
+            <a:avLst/>
+          </a:prstGeom>
+          <a:noFill/>
+        </p:spPr>
+        <p:txBody>
+          <a:bodyPr wrap="square" rtlCol="0">
+            <a:spAutoFit/>
+          </a:bodyPr>
+          <a:lstStyle/>
+          <a:p>
+            <a:r>
+              <a:rPr lang="en-US" altLang="zh-TW" dirty="0"/>
+              <a:t>.service</a:t>
+            </a:r>
+          </a:p>
+          <a:p>
+            <a:r>
+              <a:rPr lang="en-US" altLang="zh-TW" dirty="0" err="1"/>
+              <a:t>Ta:c</a:t>
+            </a:r>
+            <a:endParaRPr lang="en-US" altLang="zh-TW" dirty="0"/>
+          </a:p>
+          <a:p>
+            <a:r>
+              <a:rPr lang="en-US" altLang="zh-TW" dirty="0"/>
+              <a:t>Mb:100</a:t>
+            </a:r>
+          </a:p>
+          <a:p>
+            <a:endParaRPr lang="en-US" altLang="zh-TW" dirty="0"/>
+          </a:p>
+          <a:p>
+            <a:r>
+              <a:rPr lang="en-US" altLang="zh-TW" dirty="0"/>
+              <a:t>.</a:t>
+            </a:r>
+            <a:r>
+              <a:rPr lang="en-US" altLang="zh-TW" dirty="0" err="1"/>
+              <a:t>serviceCard</a:t>
+            </a:r>
+            <a:endParaRPr lang="en-US" altLang="zh-TW" dirty="0"/>
+          </a:p>
+          <a:p>
+            <a:r>
+              <a:rPr lang="en-US" altLang="zh-TW" dirty="0"/>
+              <a:t>D:F</a:t>
+            </a:r>
+          </a:p>
+          <a:p>
+            <a:r>
+              <a:rPr lang="en-US" altLang="zh-TW" dirty="0" err="1"/>
+              <a:t>Jcsb</a:t>
+            </a:r>
+            <a:endParaRPr lang="en-US" altLang="zh-TW" dirty="0"/>
+          </a:p>
+          <a:p>
+            <a:r>
+              <a:rPr lang="en-US" altLang="zh-TW" dirty="0"/>
+              <a:t>M:48 -8 0 -8</a:t>
+            </a:r>
+          </a:p>
+          <a:p>
+            <a:endParaRPr lang="en-US" altLang="zh-TW" dirty="0"/>
+          </a:p>
+          <a:p>
+            <a:r>
+              <a:rPr lang="en-US" altLang="zh-TW" dirty="0"/>
+              <a:t>.</a:t>
+            </a:r>
+            <a:r>
+              <a:rPr lang="en-US" altLang="zh-TW" dirty="0" err="1"/>
+              <a:t>fz</a:t>
+            </a:r>
+            <a:r>
+              <a:rPr lang="en-US" altLang="zh-TW" dirty="0"/>
+              <a:t>-pb</a:t>
+            </a:r>
+          </a:p>
+          <a:p>
+            <a:r>
+              <a:rPr lang="en-US" altLang="zh-TW" dirty="0"/>
+              <a:t>Fz:16</a:t>
+            </a:r>
+          </a:p>
+          <a:p>
+            <a:endParaRPr lang="en-US" altLang="zh-TW" dirty="0"/>
+          </a:p>
+          <a:p>
+            <a:r>
+              <a:rPr lang="en-US" altLang="zh-TW" dirty="0"/>
+              <a:t>Co-pb</a:t>
+            </a:r>
+          </a:p>
+          <a:p>
+            <a:r>
+              <a:rPr lang="en-US" altLang="zh-TW" dirty="0"/>
+              <a:t>C:#56c4c5</a:t>
+            </a:r>
+          </a:p>
+          <a:p>
+            <a:r>
+              <a:rPr lang="en-US" altLang="zh-TW" dirty="0" err="1"/>
+              <a:t>Fw:B</a:t>
+            </a:r>
+            <a:endParaRPr lang="en-US" altLang="zh-TW" dirty="0"/>
+          </a:p>
+          <a:p>
+            <a:endParaRPr lang="en-US" altLang="zh-TW" dirty="0"/>
+          </a:p>
+          <a:p>
+            <a:r>
+              <a:rPr lang="en-US" altLang="zh-TW" dirty="0"/>
+              <a:t>.</a:t>
+            </a:r>
+            <a:r>
+              <a:rPr lang="en-US" altLang="zh-TW" dirty="0" err="1"/>
+              <a:t>serviceCard</a:t>
+            </a:r>
+            <a:r>
+              <a:rPr lang="en-US" altLang="zh-TW" dirty="0"/>
+              <a:t> li</a:t>
+            </a:r>
+          </a:p>
+          <a:p>
+            <a:r>
+              <a:rPr lang="en-US" altLang="zh-TW" dirty="0"/>
+              <a:t>Maw:25%</a:t>
+            </a:r>
+          </a:p>
+          <a:p>
+            <a:r>
+              <a:rPr lang="en-US" altLang="zh-TW" dirty="0"/>
+              <a:t>box-shadow: 0px 2px 10px #00000014;</a:t>
+            </a:r>
+          </a:p>
+          <a:p>
+            <a:r>
+              <a:rPr lang="sv-SE" altLang="zh-TW" dirty="0"/>
+              <a:t>	border-radius: 12px;</a:t>
+            </a:r>
+          </a:p>
+          <a:p>
+            <a:r>
+              <a:rPr lang="sv-SE" altLang="zh-TW" dirty="0"/>
+              <a:t>M0-8</a:t>
+            </a:r>
+          </a:p>
+          <a:p>
+            <a:endParaRPr lang="sv-SE" altLang="zh-TW" dirty="0"/>
+          </a:p>
+          <a:p>
+            <a:r>
+              <a:rPr lang="sv-SE" altLang="zh-TW" dirty="0"/>
+              <a:t>.srviceCard li img{</a:t>
+            </a:r>
+          </a:p>
+          <a:p>
+            <a:r>
+              <a:rPr lang="sv-SE" altLang="zh-TW" dirty="0"/>
+              <a:t>	mb:16</a:t>
+            </a:r>
+          </a:p>
+          <a:p>
+            <a:r>
+              <a:rPr lang="sv-SE" altLang="zh-TW" dirty="0"/>
+              <a:t>D:B</a:t>
+            </a:r>
+          </a:p>
+          <a:p>
+            <a:r>
+              <a:rPr lang="sv-SE" altLang="zh-TW" dirty="0"/>
+              <a:t>Maw:100%</a:t>
+            </a:r>
+          </a:p>
+          <a:p>
+            <a:r>
+              <a:rPr lang="sv-SE" altLang="zh-TW" dirty="0"/>
+              <a:t>H:a</a:t>
+            </a:r>
+          </a:p>
+          <a:p>
+            <a:endParaRPr lang="sv-SE" altLang="zh-TW" dirty="0"/>
+          </a:p>
+          <a:p>
+            <a:r>
+              <a:rPr lang="sv-SE" altLang="zh-TW" dirty="0"/>
+              <a:t>.serviceCard li p{</a:t>
+            </a:r>
+          </a:p>
+          <a:p>
+            <a:r>
+              <a:rPr lang="sv-SE" altLang="zh-TW" dirty="0"/>
+              <a:t>Mb:16</a:t>
+            </a:r>
+          </a:p>
+          <a:p>
+            <a:r>
+              <a:rPr lang="sv-SE" altLang="zh-TW" dirty="0"/>
+              <a:t>Lh:1.6</a:t>
+            </a:r>
+          </a:p>
+        </p:txBody>
+      </p:sp>
+    </p:spTree>
+    <p:extLst>
+      <p:ext uri="{BB962C8B-B14F-4D97-AF65-F5344CB8AC3E}">
+        <p14:creationId xmlns:p14="http://schemas.microsoft.com/office/powerpoint/2010/main" val="771496514"/>
+      </p:ext>
+    </p:extLst>
+  </p:cSld>
+  <p:clrMapOvr>
+    <a:masterClrMapping/>
+  </p:clrMapOvr>
+</p:sld>
+</file>
+
 <file path=ppt/theme/theme1.xml><?xml version="1.0" encoding="utf-8"?>
 <a:theme xmlns:a="http://schemas.openxmlformats.org/drawingml/2006/main" name="Office 佈景主題">
   <a:themeElements>
